--- a/classes/stats2015/Lecture20.pptx
+++ b/classes/stats2015/Lecture20.pptx
@@ -232,7 +232,7 @@
             <a:fld id="{9D63A705-9865-40FC-B0DE-650F7351F882}" type="datetimeFigureOut">
               <a:rPr lang="en-US" smtClean="0"/>
               <a:pPr/>
-              <a:t>4/14/2015</a:t>
+              <a:t>4/15/2015</a:t>
             </a:fld>
             <a:endParaRPr lang="en-US"/>
           </a:p>
@@ -2156,7 +2156,7 @@
             <a:fld id="{1D8BD707-D9CF-40AE-B4C6-C98DA3205C09}" type="datetimeFigureOut">
               <a:rPr lang="en-US" smtClean="0"/>
               <a:pPr/>
-              <a:t>4/14/2015</a:t>
+              <a:t>4/15/2015</a:t>
             </a:fld>
             <a:endParaRPr lang="en-US"/>
           </a:p>
@@ -2323,7 +2323,7 @@
             <a:fld id="{1D8BD707-D9CF-40AE-B4C6-C98DA3205C09}" type="datetimeFigureOut">
               <a:rPr lang="en-US" smtClean="0"/>
               <a:pPr/>
-              <a:t>4/14/2015</a:t>
+              <a:t>4/15/2015</a:t>
             </a:fld>
             <a:endParaRPr lang="en-US"/>
           </a:p>
@@ -2500,7 +2500,7 @@
             <a:fld id="{1D8BD707-D9CF-40AE-B4C6-C98DA3205C09}" type="datetimeFigureOut">
               <a:rPr lang="en-US" smtClean="0"/>
               <a:pPr/>
-              <a:t>4/14/2015</a:t>
+              <a:t>4/15/2015</a:t>
             </a:fld>
             <a:endParaRPr lang="en-US"/>
           </a:p>
@@ -2667,7 +2667,7 @@
             <a:fld id="{1D8BD707-D9CF-40AE-B4C6-C98DA3205C09}" type="datetimeFigureOut">
               <a:rPr lang="en-US" smtClean="0"/>
               <a:pPr/>
-              <a:t>4/14/2015</a:t>
+              <a:t>4/15/2015</a:t>
             </a:fld>
             <a:endParaRPr lang="en-US"/>
           </a:p>
@@ -2910,7 +2910,7 @@
             <a:fld id="{1D8BD707-D9CF-40AE-B4C6-C98DA3205C09}" type="datetimeFigureOut">
               <a:rPr lang="en-US" smtClean="0"/>
               <a:pPr/>
-              <a:t>4/14/2015</a:t>
+              <a:t>4/15/2015</a:t>
             </a:fld>
             <a:endParaRPr lang="en-US"/>
           </a:p>
@@ -3195,7 +3195,7 @@
             <a:fld id="{1D8BD707-D9CF-40AE-B4C6-C98DA3205C09}" type="datetimeFigureOut">
               <a:rPr lang="en-US" smtClean="0"/>
               <a:pPr/>
-              <a:t>4/14/2015</a:t>
+              <a:t>4/15/2015</a:t>
             </a:fld>
             <a:endParaRPr lang="en-US"/>
           </a:p>
@@ -3614,7 +3614,7 @@
             <a:fld id="{1D8BD707-D9CF-40AE-B4C6-C98DA3205C09}" type="datetimeFigureOut">
               <a:rPr lang="en-US" smtClean="0"/>
               <a:pPr/>
-              <a:t>4/14/2015</a:t>
+              <a:t>4/15/2015</a:t>
             </a:fld>
             <a:endParaRPr lang="en-US"/>
           </a:p>
@@ -3729,7 +3729,7 @@
             <a:fld id="{1D8BD707-D9CF-40AE-B4C6-C98DA3205C09}" type="datetimeFigureOut">
               <a:rPr lang="en-US" smtClean="0"/>
               <a:pPr/>
-              <a:t>4/14/2015</a:t>
+              <a:t>4/15/2015</a:t>
             </a:fld>
             <a:endParaRPr lang="en-US"/>
           </a:p>
@@ -3821,7 +3821,7 @@
             <a:fld id="{1D8BD707-D9CF-40AE-B4C6-C98DA3205C09}" type="datetimeFigureOut">
               <a:rPr lang="en-US" smtClean="0"/>
               <a:pPr/>
-              <a:t>4/14/2015</a:t>
+              <a:t>4/15/2015</a:t>
             </a:fld>
             <a:endParaRPr lang="en-US"/>
           </a:p>
@@ -4095,7 +4095,7 @@
             <a:fld id="{1D8BD707-D9CF-40AE-B4C6-C98DA3205C09}" type="datetimeFigureOut">
               <a:rPr lang="en-US" smtClean="0"/>
               <a:pPr/>
-              <a:t>4/14/2015</a:t>
+              <a:t>4/15/2015</a:t>
             </a:fld>
             <a:endParaRPr lang="en-US"/>
           </a:p>
@@ -4345,7 +4345,7 @@
             <a:fld id="{1D8BD707-D9CF-40AE-B4C6-C98DA3205C09}" type="datetimeFigureOut">
               <a:rPr lang="en-US" smtClean="0"/>
               <a:pPr/>
-              <a:t>4/14/2015</a:t>
+              <a:t>4/15/2015</a:t>
             </a:fld>
             <a:endParaRPr lang="en-US"/>
           </a:p>
@@ -4555,7 +4555,7 @@
             <a:fld id="{1D8BD707-D9CF-40AE-B4C6-C98DA3205C09}" type="datetimeFigureOut">
               <a:rPr lang="en-US" smtClean="0"/>
               <a:pPr/>
-              <a:t>4/14/2015</a:t>
+              <a:t>4/15/2015</a:t>
             </a:fld>
             <a:endParaRPr lang="en-US"/>
           </a:p>
@@ -7489,14 +7489,7 @@
                 <a:latin typeface="Arial" pitchFamily="34" charset="0"/>
                 <a:cs typeface="Arial" pitchFamily="34" charset="0"/>
               </a:rPr>
-              <a:t>fit</a:t>
-            </a:r>
-            <a:r>
-              <a:rPr lang="en-US" dirty="0" smtClean="0">
-                <a:latin typeface="Arial" pitchFamily="34" charset="0"/>
-                <a:cs typeface="Arial" pitchFamily="34" charset="0"/>
-              </a:rPr>
-              <a:t>..</a:t>
+              <a:t>fit..</a:t>
             </a:r>
             <a:endParaRPr lang="en-US" dirty="0">
               <a:latin typeface="Arial" pitchFamily="34" charset="0"/>
@@ -8013,14 +8006,7 @@
                 <a:latin typeface="Arial" pitchFamily="34" charset="0"/>
                 <a:cs typeface="Arial" pitchFamily="34" charset="0"/>
               </a:rPr>
-              <a:t>fit</a:t>
-            </a:r>
-            <a:r>
-              <a:rPr lang="en-US" dirty="0" smtClean="0">
-                <a:latin typeface="Arial" pitchFamily="34" charset="0"/>
-                <a:cs typeface="Arial" pitchFamily="34" charset="0"/>
-              </a:rPr>
-              <a:t>..</a:t>
+              <a:t>fit..</a:t>
             </a:r>
             <a:endParaRPr lang="en-US" dirty="0">
               <a:latin typeface="Arial" pitchFamily="34" charset="0"/>
@@ -8056,7 +8042,7 @@
       </p:grpSpPr>
       <p:pic>
         <p:nvPicPr>
-          <p:cNvPr id="123906" name="Picture 2"/>
+          <p:cNvPr id="1027" name="Picture 3"/>
           <p:cNvPicPr>
             <a:picLocks noChangeAspect="1" noChangeArrowheads="1"/>
           </p:cNvPicPr>
@@ -8071,8 +8057,8 @@
         </p:blipFill>
         <p:spPr bwMode="auto">
           <a:xfrm>
-            <a:off x="2362200" y="1143000"/>
-            <a:ext cx="4324350" cy="4095750"/>
+            <a:off x="762000" y="761999"/>
+            <a:ext cx="6858000" cy="5994919"/>
           </a:xfrm>
           <a:prstGeom prst="rect">
             <a:avLst/>
@@ -8084,19 +8070,18 @@
             <a:headEnd/>
             <a:tailEnd/>
           </a:ln>
-          <a:effectLst/>
         </p:spPr>
       </p:pic>
       <p:sp>
         <p:nvSpPr>
-          <p:cNvPr id="5" name="TextBox 4"/>
+          <p:cNvPr id="6" name="TextBox 5"/>
           <p:cNvSpPr txBox="1"/>
           <p:nvPr/>
         </p:nvSpPr>
         <p:spPr>
-          <a:xfrm>
-            <a:off x="2286000" y="1143000"/>
-            <a:ext cx="4853573" cy="369332"/>
+          <a:xfrm flipH="1">
+            <a:off x="838200" y="304800"/>
+            <a:ext cx="8305800" cy="646331"/>
           </a:xfrm>
           <a:prstGeom prst="rect">
             <a:avLst/>
@@ -8104,14 +8089,44 @@
           <a:noFill/>
         </p:spPr>
         <p:txBody>
-          <a:bodyPr wrap="none" rtlCol="0">
+          <a:bodyPr wrap="square" rtlCol="0">
             <a:spAutoFit/>
           </a:bodyPr>
           <a:lstStyle/>
           <a:p>
             <a:r>
               <a:rPr lang="en-US" dirty="0" smtClean="0"/>
-              <a:t>Another case where K= 4 beats the linear model…</a:t>
+              <a:t>As we increase the nearest neighbor, the models become simpler… </a:t>
+            </a:r>
+          </a:p>
+          <a:p>
+            <a:r>
+              <a:rPr lang="en-US" dirty="0" smtClean="0"/>
+              <a:t>We say we reduce </a:t>
+            </a:r>
+            <a:r>
+              <a:rPr lang="en-US" dirty="0" smtClean="0">
+                <a:solidFill>
+                  <a:srgbClr val="FF0000"/>
+                </a:solidFill>
+              </a:rPr>
+              <a:t>variance</a:t>
+            </a:r>
+            <a:r>
+              <a:rPr lang="en-US" dirty="0" smtClean="0"/>
+              <a:t> but increase </a:t>
+            </a:r>
+            <a:r>
+              <a:rPr lang="en-US" dirty="0" smtClean="0">
+                <a:solidFill>
+                  <a:srgbClr val="FF0000"/>
+                </a:solidFill>
+              </a:rPr>
+              <a:t>bias</a:t>
+            </a:r>
+            <a:r>
+              <a:rPr lang="en-US" dirty="0" smtClean="0"/>
+              <a:t> as k increases…</a:t>
             </a:r>
             <a:endParaRPr lang="en-US" dirty="0"/>
           </a:p>
@@ -8142,45 +8157,9 @@
           <a:chExt cx="0" cy="0"/>
         </a:xfrm>
       </p:grpSpPr>
-      <p:sp>
-        <p:nvSpPr>
-          <p:cNvPr id="4" name="TextBox 3"/>
-          <p:cNvSpPr txBox="1"/>
-          <p:nvPr/>
-        </p:nvSpPr>
-        <p:spPr>
-          <a:xfrm>
-            <a:off x="1066800" y="228600"/>
-            <a:ext cx="2832827" cy="369332"/>
-          </a:xfrm>
-          <a:prstGeom prst="rect">
-            <a:avLst/>
-          </a:prstGeom>
-          <a:noFill/>
-        </p:spPr>
-        <p:txBody>
-          <a:bodyPr wrap="none" rtlCol="0">
-            <a:spAutoFit/>
-          </a:bodyPr>
-          <a:lstStyle/>
-          <a:p>
-            <a:r>
-              <a:rPr lang="en-US" dirty="0" smtClean="0">
-                <a:latin typeface="Arial" pitchFamily="34" charset="0"/>
-                <a:cs typeface="Arial" pitchFamily="34" charset="0"/>
-              </a:rPr>
-              <a:t>Hear are k=16 examples..</a:t>
-            </a:r>
-            <a:endParaRPr lang="en-US" dirty="0">
-              <a:latin typeface="Arial" pitchFamily="34" charset="0"/>
-              <a:cs typeface="Arial" pitchFamily="34" charset="0"/>
-            </a:endParaRPr>
-          </a:p>
-        </p:txBody>
-      </p:sp>
       <p:pic>
         <p:nvPicPr>
-          <p:cNvPr id="126978" name="Picture 2"/>
+          <p:cNvPr id="2050" name="Picture 2"/>
           <p:cNvPicPr>
             <a:picLocks noChangeAspect="1" noChangeArrowheads="1"/>
           </p:cNvPicPr>
@@ -8195,40 +8174,8 @@
         </p:blipFill>
         <p:spPr bwMode="auto">
           <a:xfrm>
-            <a:off x="457201" y="533400"/>
-            <a:ext cx="4114800" cy="3775718"/>
-          </a:xfrm>
-          <a:prstGeom prst="rect">
-            <a:avLst/>
-          </a:prstGeom>
-          <a:noFill/>
-          <a:ln w="9525">
-            <a:noFill/>
-            <a:miter lim="800000"/>
-            <a:headEnd/>
-            <a:tailEnd/>
-          </a:ln>
-        </p:spPr>
-      </p:pic>
-      <p:pic>
-        <p:nvPicPr>
-          <p:cNvPr id="126979" name="Picture 3"/>
-          <p:cNvPicPr>
-            <a:picLocks noChangeAspect="1" noChangeArrowheads="1"/>
-          </p:cNvPicPr>
-          <p:nvPr/>
-        </p:nvPicPr>
-        <p:blipFill>
-          <a:blip r:embed="rId3" cstate="print"/>
-          <a:srcRect/>
-          <a:stretch>
-            <a:fillRect/>
-          </a:stretch>
-        </p:blipFill>
-        <p:spPr bwMode="auto">
-          <a:xfrm>
-            <a:off x="4572000" y="762000"/>
-            <a:ext cx="3810000" cy="3680114"/>
+            <a:off x="1524000" y="533400"/>
+            <a:ext cx="6400800" cy="5595257"/>
           </a:xfrm>
           <a:prstGeom prst="rect">
             <a:avLst/>
@@ -8308,7 +8255,7 @@
         <p:spPr>
           <a:xfrm>
             <a:off x="2743200" y="838200"/>
-            <a:ext cx="5224251" cy="369332"/>
+            <a:ext cx="3980320" cy="369332"/>
           </a:xfrm>
           <a:prstGeom prst="rect">
             <a:avLst/>
@@ -8323,7 +8270,11 @@
           <a:p>
             <a:r>
               <a:rPr lang="en-US" dirty="0" smtClean="0"/>
-              <a:t>With k=1, over-fitting becomes more and more likely..</a:t>
+              <a:t>With k=1, over-fitting becomes </a:t>
+            </a:r>
+            <a:r>
+              <a:rPr lang="en-US" dirty="0" smtClean="0"/>
+              <a:t>assured..</a:t>
             </a:r>
             <a:endParaRPr lang="en-US" dirty="0"/>
           </a:p>
